--- a/VirtualBox.pptx
+++ b/VirtualBox.pptx
@@ -9,6 +9,14 @@
     <p:sldId id="257" r:id="rId3"/>
     <p:sldId id="258" r:id="rId4"/>
     <p:sldId id="259" r:id="rId5"/>
+    <p:sldId id="261" r:id="rId6"/>
+    <p:sldId id="263" r:id="rId7"/>
+    <p:sldId id="262" r:id="rId8"/>
+    <p:sldId id="260" r:id="rId9"/>
+    <p:sldId id="264" r:id="rId10"/>
+    <p:sldId id="265" r:id="rId11"/>
+    <p:sldId id="266" r:id="rId12"/>
+    <p:sldId id="267" r:id="rId13"/>
   </p:sldIdLst>
   <p:sldSz cx="12192000" cy="6858000"/>
   <p:notesSz cx="6858000" cy="9144000"/>
@@ -107,6 +115,11 @@
       </a:defRPr>
     </a:lvl9pPr>
   </p:defaultTextStyle>
+  <p:extLst>
+    <p:ext uri="{EFAFB233-063F-42B5-8137-9DF3F51BA10A}">
+      <p15:sldGuideLst xmlns:p15="http://schemas.microsoft.com/office/powerpoint/2012/main"/>
+    </p:ext>
+  </p:extLst>
 </p:presentation>
 </file>
 
@@ -136,7 +149,7 @@
           <p:cNvPr id="2" name="Título 1">
             <a:extLst>
               <a:ext uri="{FF2B5EF4-FFF2-40B4-BE49-F238E27FC236}">
-                <a16:creationId xmlns:a16="http://schemas.microsoft.com/office/drawing/2014/main" id="{8A0A732E-B8EA-4BD8-AC9E-1FDD09F4EB58}"/>
+                <a16:creationId xmlns:a16="http://schemas.microsoft.com/office/drawing/2014/main" xmlns="" id="{8A0A732E-B8EA-4BD8-AC9E-1FDD09F4EB58}"/>
               </a:ext>
             </a:extLst>
           </p:cNvPr>
@@ -173,7 +186,7 @@
           <p:cNvPr id="3" name="Subtítulo 2">
             <a:extLst>
               <a:ext uri="{FF2B5EF4-FFF2-40B4-BE49-F238E27FC236}">
-                <a16:creationId xmlns:a16="http://schemas.microsoft.com/office/drawing/2014/main" id="{008B678B-B64C-4069-B06E-77ED696B9015}"/>
+                <a16:creationId xmlns:a16="http://schemas.microsoft.com/office/drawing/2014/main" xmlns="" id="{008B678B-B64C-4069-B06E-77ED696B9015}"/>
               </a:ext>
             </a:extLst>
           </p:cNvPr>
@@ -243,7 +256,7 @@
           <p:cNvPr id="4" name="Marcador de fecha 3">
             <a:extLst>
               <a:ext uri="{FF2B5EF4-FFF2-40B4-BE49-F238E27FC236}">
-                <a16:creationId xmlns:a16="http://schemas.microsoft.com/office/drawing/2014/main" id="{71BC94F4-24C9-4431-AD93-DB8F215A16E2}"/>
+                <a16:creationId xmlns:a16="http://schemas.microsoft.com/office/drawing/2014/main" xmlns="" id="{71BC94F4-24C9-4431-AD93-DB8F215A16E2}"/>
               </a:ext>
             </a:extLst>
           </p:cNvPr>
@@ -261,7 +274,7 @@
           <a:p>
             <a:fld id="{0BAD7C74-8BC0-44DA-AB41-E56279F246B6}" type="datetimeFigureOut">
               <a:rPr lang="es-ES" smtClean="0"/>
-              <a:t>08/11/2017</a:t>
+              <a:t>09/11/2017</a:t>
             </a:fld>
             <a:endParaRPr lang="es-ES"/>
           </a:p>
@@ -272,7 +285,7 @@
           <p:cNvPr id="5" name="Marcador de pie de página 4">
             <a:extLst>
               <a:ext uri="{FF2B5EF4-FFF2-40B4-BE49-F238E27FC236}">
-                <a16:creationId xmlns:a16="http://schemas.microsoft.com/office/drawing/2014/main" id="{5A7FBA93-4DC6-4272-A27E-FEE524EBD5BE}"/>
+                <a16:creationId xmlns:a16="http://schemas.microsoft.com/office/drawing/2014/main" xmlns="" id="{5A7FBA93-4DC6-4272-A27E-FEE524EBD5BE}"/>
               </a:ext>
             </a:extLst>
           </p:cNvPr>
@@ -297,7 +310,7 @@
           <p:cNvPr id="6" name="Marcador de número de diapositiva 5">
             <a:extLst>
               <a:ext uri="{FF2B5EF4-FFF2-40B4-BE49-F238E27FC236}">
-                <a16:creationId xmlns:a16="http://schemas.microsoft.com/office/drawing/2014/main" id="{BC4AFAF4-8162-4C4C-B24E-52784131C125}"/>
+                <a16:creationId xmlns:a16="http://schemas.microsoft.com/office/drawing/2014/main" xmlns="" id="{BC4AFAF4-8162-4C4C-B24E-52784131C125}"/>
               </a:ext>
             </a:extLst>
           </p:cNvPr>
@@ -356,7 +369,7 @@
           <p:cNvPr id="2" name="Título 1">
             <a:extLst>
               <a:ext uri="{FF2B5EF4-FFF2-40B4-BE49-F238E27FC236}">
-                <a16:creationId xmlns:a16="http://schemas.microsoft.com/office/drawing/2014/main" id="{BD4FD02D-3B6B-4957-95E5-36117BF15BA3}"/>
+                <a16:creationId xmlns:a16="http://schemas.microsoft.com/office/drawing/2014/main" xmlns="" id="{BD4FD02D-3B6B-4957-95E5-36117BF15BA3}"/>
               </a:ext>
             </a:extLst>
           </p:cNvPr>
@@ -384,7 +397,7 @@
           <p:cNvPr id="3" name="Marcador de texto vertical 2">
             <a:extLst>
               <a:ext uri="{FF2B5EF4-FFF2-40B4-BE49-F238E27FC236}">
-                <a16:creationId xmlns:a16="http://schemas.microsoft.com/office/drawing/2014/main" id="{8ACDF8AA-3F00-4ABB-B6A3-4B5DD158CD65}"/>
+                <a16:creationId xmlns:a16="http://schemas.microsoft.com/office/drawing/2014/main" xmlns="" id="{8ACDF8AA-3F00-4ABB-B6A3-4B5DD158CD65}"/>
               </a:ext>
             </a:extLst>
           </p:cNvPr>
@@ -441,7 +454,7 @@
           <p:cNvPr id="4" name="Marcador de fecha 3">
             <a:extLst>
               <a:ext uri="{FF2B5EF4-FFF2-40B4-BE49-F238E27FC236}">
-                <a16:creationId xmlns:a16="http://schemas.microsoft.com/office/drawing/2014/main" id="{7465F1CE-6ECE-4CBE-AB34-94B6BBADC49C}"/>
+                <a16:creationId xmlns:a16="http://schemas.microsoft.com/office/drawing/2014/main" xmlns="" id="{7465F1CE-6ECE-4CBE-AB34-94B6BBADC49C}"/>
               </a:ext>
             </a:extLst>
           </p:cNvPr>
@@ -459,7 +472,7 @@
           <a:p>
             <a:fld id="{0BAD7C74-8BC0-44DA-AB41-E56279F246B6}" type="datetimeFigureOut">
               <a:rPr lang="es-ES" smtClean="0"/>
-              <a:t>08/11/2017</a:t>
+              <a:t>09/11/2017</a:t>
             </a:fld>
             <a:endParaRPr lang="es-ES"/>
           </a:p>
@@ -470,7 +483,7 @@
           <p:cNvPr id="5" name="Marcador de pie de página 4">
             <a:extLst>
               <a:ext uri="{FF2B5EF4-FFF2-40B4-BE49-F238E27FC236}">
-                <a16:creationId xmlns:a16="http://schemas.microsoft.com/office/drawing/2014/main" id="{F5D9AB65-9710-4F3E-A2F8-FF42139CA93B}"/>
+                <a16:creationId xmlns:a16="http://schemas.microsoft.com/office/drawing/2014/main" xmlns="" id="{F5D9AB65-9710-4F3E-A2F8-FF42139CA93B}"/>
               </a:ext>
             </a:extLst>
           </p:cNvPr>
@@ -495,7 +508,7 @@
           <p:cNvPr id="6" name="Marcador de número de diapositiva 5">
             <a:extLst>
               <a:ext uri="{FF2B5EF4-FFF2-40B4-BE49-F238E27FC236}">
-                <a16:creationId xmlns:a16="http://schemas.microsoft.com/office/drawing/2014/main" id="{04BB2A67-A541-4FBB-9043-913E2F6EBDCD}"/>
+                <a16:creationId xmlns:a16="http://schemas.microsoft.com/office/drawing/2014/main" xmlns="" id="{04BB2A67-A541-4FBB-9043-913E2F6EBDCD}"/>
               </a:ext>
             </a:extLst>
           </p:cNvPr>
@@ -554,7 +567,7 @@
           <p:cNvPr id="2" name="Título vertical 1">
             <a:extLst>
               <a:ext uri="{FF2B5EF4-FFF2-40B4-BE49-F238E27FC236}">
-                <a16:creationId xmlns:a16="http://schemas.microsoft.com/office/drawing/2014/main" id="{7DD30AC7-ED15-4832-995A-317B68CD544F}"/>
+                <a16:creationId xmlns:a16="http://schemas.microsoft.com/office/drawing/2014/main" xmlns="" id="{7DD30AC7-ED15-4832-995A-317B68CD544F}"/>
               </a:ext>
             </a:extLst>
           </p:cNvPr>
@@ -587,7 +600,7 @@
           <p:cNvPr id="3" name="Marcador de texto vertical 2">
             <a:extLst>
               <a:ext uri="{FF2B5EF4-FFF2-40B4-BE49-F238E27FC236}">
-                <a16:creationId xmlns:a16="http://schemas.microsoft.com/office/drawing/2014/main" id="{4554390F-D4DD-46FD-8D78-44B4F09F585D}"/>
+                <a16:creationId xmlns:a16="http://schemas.microsoft.com/office/drawing/2014/main" xmlns="" id="{4554390F-D4DD-46FD-8D78-44B4F09F585D}"/>
               </a:ext>
             </a:extLst>
           </p:cNvPr>
@@ -649,7 +662,7 @@
           <p:cNvPr id="4" name="Marcador de fecha 3">
             <a:extLst>
               <a:ext uri="{FF2B5EF4-FFF2-40B4-BE49-F238E27FC236}">
-                <a16:creationId xmlns:a16="http://schemas.microsoft.com/office/drawing/2014/main" id="{2DAE3328-63FB-4BAF-B5AB-4D25092D81FF}"/>
+                <a16:creationId xmlns:a16="http://schemas.microsoft.com/office/drawing/2014/main" xmlns="" id="{2DAE3328-63FB-4BAF-B5AB-4D25092D81FF}"/>
               </a:ext>
             </a:extLst>
           </p:cNvPr>
@@ -667,7 +680,7 @@
           <a:p>
             <a:fld id="{0BAD7C74-8BC0-44DA-AB41-E56279F246B6}" type="datetimeFigureOut">
               <a:rPr lang="es-ES" smtClean="0"/>
-              <a:t>08/11/2017</a:t>
+              <a:t>09/11/2017</a:t>
             </a:fld>
             <a:endParaRPr lang="es-ES"/>
           </a:p>
@@ -678,7 +691,7 @@
           <p:cNvPr id="5" name="Marcador de pie de página 4">
             <a:extLst>
               <a:ext uri="{FF2B5EF4-FFF2-40B4-BE49-F238E27FC236}">
-                <a16:creationId xmlns:a16="http://schemas.microsoft.com/office/drawing/2014/main" id="{531903D6-B5EA-4DF6-B5DB-DE242DD30505}"/>
+                <a16:creationId xmlns:a16="http://schemas.microsoft.com/office/drawing/2014/main" xmlns="" id="{531903D6-B5EA-4DF6-B5DB-DE242DD30505}"/>
               </a:ext>
             </a:extLst>
           </p:cNvPr>
@@ -703,7 +716,7 @@
           <p:cNvPr id="6" name="Marcador de número de diapositiva 5">
             <a:extLst>
               <a:ext uri="{FF2B5EF4-FFF2-40B4-BE49-F238E27FC236}">
-                <a16:creationId xmlns:a16="http://schemas.microsoft.com/office/drawing/2014/main" id="{1F6F8459-DEC8-4B98-B85F-9898747F020B}"/>
+                <a16:creationId xmlns:a16="http://schemas.microsoft.com/office/drawing/2014/main" xmlns="" id="{1F6F8459-DEC8-4B98-B85F-9898747F020B}"/>
               </a:ext>
             </a:extLst>
           </p:cNvPr>
@@ -762,7 +775,7 @@
           <p:cNvPr id="2" name="Título 1">
             <a:extLst>
               <a:ext uri="{FF2B5EF4-FFF2-40B4-BE49-F238E27FC236}">
-                <a16:creationId xmlns:a16="http://schemas.microsoft.com/office/drawing/2014/main" id="{AFDE4F68-2F49-46BB-AA05-EC480B9E46A9}"/>
+                <a16:creationId xmlns:a16="http://schemas.microsoft.com/office/drawing/2014/main" xmlns="" id="{AFDE4F68-2F49-46BB-AA05-EC480B9E46A9}"/>
               </a:ext>
             </a:extLst>
           </p:cNvPr>
@@ -790,7 +803,7 @@
           <p:cNvPr id="3" name="Marcador de contenido 2">
             <a:extLst>
               <a:ext uri="{FF2B5EF4-FFF2-40B4-BE49-F238E27FC236}">
-                <a16:creationId xmlns:a16="http://schemas.microsoft.com/office/drawing/2014/main" id="{C74BC2CD-EEE0-484F-A9BF-967D40DBA2E1}"/>
+                <a16:creationId xmlns:a16="http://schemas.microsoft.com/office/drawing/2014/main" xmlns="" id="{C74BC2CD-EEE0-484F-A9BF-967D40DBA2E1}"/>
               </a:ext>
             </a:extLst>
           </p:cNvPr>
@@ -847,7 +860,7 @@
           <p:cNvPr id="4" name="Marcador de fecha 3">
             <a:extLst>
               <a:ext uri="{FF2B5EF4-FFF2-40B4-BE49-F238E27FC236}">
-                <a16:creationId xmlns:a16="http://schemas.microsoft.com/office/drawing/2014/main" id="{7E8F826B-8AB9-409E-B40E-01A1D5E245CE}"/>
+                <a16:creationId xmlns:a16="http://schemas.microsoft.com/office/drawing/2014/main" xmlns="" id="{7E8F826B-8AB9-409E-B40E-01A1D5E245CE}"/>
               </a:ext>
             </a:extLst>
           </p:cNvPr>
@@ -865,7 +878,7 @@
           <a:p>
             <a:fld id="{0BAD7C74-8BC0-44DA-AB41-E56279F246B6}" type="datetimeFigureOut">
               <a:rPr lang="es-ES" smtClean="0"/>
-              <a:t>08/11/2017</a:t>
+              <a:t>09/11/2017</a:t>
             </a:fld>
             <a:endParaRPr lang="es-ES"/>
           </a:p>
@@ -876,7 +889,7 @@
           <p:cNvPr id="5" name="Marcador de pie de página 4">
             <a:extLst>
               <a:ext uri="{FF2B5EF4-FFF2-40B4-BE49-F238E27FC236}">
-                <a16:creationId xmlns:a16="http://schemas.microsoft.com/office/drawing/2014/main" id="{93DEFDDE-0328-4BAE-BC52-DA72744C343A}"/>
+                <a16:creationId xmlns:a16="http://schemas.microsoft.com/office/drawing/2014/main" xmlns="" id="{93DEFDDE-0328-4BAE-BC52-DA72744C343A}"/>
               </a:ext>
             </a:extLst>
           </p:cNvPr>
@@ -901,7 +914,7 @@
           <p:cNvPr id="6" name="Marcador de número de diapositiva 5">
             <a:extLst>
               <a:ext uri="{FF2B5EF4-FFF2-40B4-BE49-F238E27FC236}">
-                <a16:creationId xmlns:a16="http://schemas.microsoft.com/office/drawing/2014/main" id="{D05E2A93-4661-45BC-B2A9-94CED43A0796}"/>
+                <a16:creationId xmlns:a16="http://schemas.microsoft.com/office/drawing/2014/main" xmlns="" id="{D05E2A93-4661-45BC-B2A9-94CED43A0796}"/>
               </a:ext>
             </a:extLst>
           </p:cNvPr>
@@ -960,7 +973,7 @@
           <p:cNvPr id="2" name="Título 1">
             <a:extLst>
               <a:ext uri="{FF2B5EF4-FFF2-40B4-BE49-F238E27FC236}">
-                <a16:creationId xmlns:a16="http://schemas.microsoft.com/office/drawing/2014/main" id="{3B329C7A-1257-4F5A-A57B-E27FB7E3120B}"/>
+                <a16:creationId xmlns:a16="http://schemas.microsoft.com/office/drawing/2014/main" xmlns="" id="{3B329C7A-1257-4F5A-A57B-E27FB7E3120B}"/>
               </a:ext>
             </a:extLst>
           </p:cNvPr>
@@ -997,7 +1010,7 @@
           <p:cNvPr id="3" name="Marcador de texto 2">
             <a:extLst>
               <a:ext uri="{FF2B5EF4-FFF2-40B4-BE49-F238E27FC236}">
-                <a16:creationId xmlns:a16="http://schemas.microsoft.com/office/drawing/2014/main" id="{059436FB-2AB7-455B-96D1-F689FA544DC5}"/>
+                <a16:creationId xmlns:a16="http://schemas.microsoft.com/office/drawing/2014/main" xmlns="" id="{059436FB-2AB7-455B-96D1-F689FA544DC5}"/>
               </a:ext>
             </a:extLst>
           </p:cNvPr>
@@ -1122,7 +1135,7 @@
           <p:cNvPr id="4" name="Marcador de fecha 3">
             <a:extLst>
               <a:ext uri="{FF2B5EF4-FFF2-40B4-BE49-F238E27FC236}">
-                <a16:creationId xmlns:a16="http://schemas.microsoft.com/office/drawing/2014/main" id="{246E977D-BE33-45CA-BB89-F5A514A55770}"/>
+                <a16:creationId xmlns:a16="http://schemas.microsoft.com/office/drawing/2014/main" xmlns="" id="{246E977D-BE33-45CA-BB89-F5A514A55770}"/>
               </a:ext>
             </a:extLst>
           </p:cNvPr>
@@ -1140,7 +1153,7 @@
           <a:p>
             <a:fld id="{0BAD7C74-8BC0-44DA-AB41-E56279F246B6}" type="datetimeFigureOut">
               <a:rPr lang="es-ES" smtClean="0"/>
-              <a:t>08/11/2017</a:t>
+              <a:t>09/11/2017</a:t>
             </a:fld>
             <a:endParaRPr lang="es-ES"/>
           </a:p>
@@ -1151,7 +1164,7 @@
           <p:cNvPr id="5" name="Marcador de pie de página 4">
             <a:extLst>
               <a:ext uri="{FF2B5EF4-FFF2-40B4-BE49-F238E27FC236}">
-                <a16:creationId xmlns:a16="http://schemas.microsoft.com/office/drawing/2014/main" id="{9885599F-4E57-423C-AFB1-E8BEB01B4660}"/>
+                <a16:creationId xmlns:a16="http://schemas.microsoft.com/office/drawing/2014/main" xmlns="" id="{9885599F-4E57-423C-AFB1-E8BEB01B4660}"/>
               </a:ext>
             </a:extLst>
           </p:cNvPr>
@@ -1176,7 +1189,7 @@
           <p:cNvPr id="6" name="Marcador de número de diapositiva 5">
             <a:extLst>
               <a:ext uri="{FF2B5EF4-FFF2-40B4-BE49-F238E27FC236}">
-                <a16:creationId xmlns:a16="http://schemas.microsoft.com/office/drawing/2014/main" id="{EBD278E0-4133-4D92-B9AA-6E1456872596}"/>
+                <a16:creationId xmlns:a16="http://schemas.microsoft.com/office/drawing/2014/main" xmlns="" id="{EBD278E0-4133-4D92-B9AA-6E1456872596}"/>
               </a:ext>
             </a:extLst>
           </p:cNvPr>
@@ -1235,7 +1248,7 @@
           <p:cNvPr id="2" name="Título 1">
             <a:extLst>
               <a:ext uri="{FF2B5EF4-FFF2-40B4-BE49-F238E27FC236}">
-                <a16:creationId xmlns:a16="http://schemas.microsoft.com/office/drawing/2014/main" id="{1216D0EE-D820-432B-8898-32936D6501B7}"/>
+                <a16:creationId xmlns:a16="http://schemas.microsoft.com/office/drawing/2014/main" xmlns="" id="{1216D0EE-D820-432B-8898-32936D6501B7}"/>
               </a:ext>
             </a:extLst>
           </p:cNvPr>
@@ -1263,7 +1276,7 @@
           <p:cNvPr id="3" name="Marcador de contenido 2">
             <a:extLst>
               <a:ext uri="{FF2B5EF4-FFF2-40B4-BE49-F238E27FC236}">
-                <a16:creationId xmlns:a16="http://schemas.microsoft.com/office/drawing/2014/main" id="{11B4341D-3B11-45F6-B5E2-97CC83FCD167}"/>
+                <a16:creationId xmlns:a16="http://schemas.microsoft.com/office/drawing/2014/main" xmlns="" id="{11B4341D-3B11-45F6-B5E2-97CC83FCD167}"/>
               </a:ext>
             </a:extLst>
           </p:cNvPr>
@@ -1325,7 +1338,7 @@
           <p:cNvPr id="4" name="Marcador de contenido 3">
             <a:extLst>
               <a:ext uri="{FF2B5EF4-FFF2-40B4-BE49-F238E27FC236}">
-                <a16:creationId xmlns:a16="http://schemas.microsoft.com/office/drawing/2014/main" id="{34AE47C2-E98C-4545-879C-7B99599328C2}"/>
+                <a16:creationId xmlns:a16="http://schemas.microsoft.com/office/drawing/2014/main" xmlns="" id="{34AE47C2-E98C-4545-879C-7B99599328C2}"/>
               </a:ext>
             </a:extLst>
           </p:cNvPr>
@@ -1387,7 +1400,7 @@
           <p:cNvPr id="5" name="Marcador de fecha 4">
             <a:extLst>
               <a:ext uri="{FF2B5EF4-FFF2-40B4-BE49-F238E27FC236}">
-                <a16:creationId xmlns:a16="http://schemas.microsoft.com/office/drawing/2014/main" id="{798F8D3D-B4E8-4EAE-A4C9-C48B1DFE0C90}"/>
+                <a16:creationId xmlns:a16="http://schemas.microsoft.com/office/drawing/2014/main" xmlns="" id="{798F8D3D-B4E8-4EAE-A4C9-C48B1DFE0C90}"/>
               </a:ext>
             </a:extLst>
           </p:cNvPr>
@@ -1405,7 +1418,7 @@
           <a:p>
             <a:fld id="{0BAD7C74-8BC0-44DA-AB41-E56279F246B6}" type="datetimeFigureOut">
               <a:rPr lang="es-ES" smtClean="0"/>
-              <a:t>08/11/2017</a:t>
+              <a:t>09/11/2017</a:t>
             </a:fld>
             <a:endParaRPr lang="es-ES"/>
           </a:p>
@@ -1416,7 +1429,7 @@
           <p:cNvPr id="6" name="Marcador de pie de página 5">
             <a:extLst>
               <a:ext uri="{FF2B5EF4-FFF2-40B4-BE49-F238E27FC236}">
-                <a16:creationId xmlns:a16="http://schemas.microsoft.com/office/drawing/2014/main" id="{F9782BE5-6566-40DC-9350-6DE63FE04516}"/>
+                <a16:creationId xmlns:a16="http://schemas.microsoft.com/office/drawing/2014/main" xmlns="" id="{F9782BE5-6566-40DC-9350-6DE63FE04516}"/>
               </a:ext>
             </a:extLst>
           </p:cNvPr>
@@ -1441,7 +1454,7 @@
           <p:cNvPr id="7" name="Marcador de número de diapositiva 6">
             <a:extLst>
               <a:ext uri="{FF2B5EF4-FFF2-40B4-BE49-F238E27FC236}">
-                <a16:creationId xmlns:a16="http://schemas.microsoft.com/office/drawing/2014/main" id="{383290CD-11BD-4731-A2A5-A63488F71C06}"/>
+                <a16:creationId xmlns:a16="http://schemas.microsoft.com/office/drawing/2014/main" xmlns="" id="{383290CD-11BD-4731-A2A5-A63488F71C06}"/>
               </a:ext>
             </a:extLst>
           </p:cNvPr>
@@ -1500,7 +1513,7 @@
           <p:cNvPr id="2" name="Título 1">
             <a:extLst>
               <a:ext uri="{FF2B5EF4-FFF2-40B4-BE49-F238E27FC236}">
-                <a16:creationId xmlns:a16="http://schemas.microsoft.com/office/drawing/2014/main" id="{3D341871-EF27-4E9A-93BC-1928E2130394}"/>
+                <a16:creationId xmlns:a16="http://schemas.microsoft.com/office/drawing/2014/main" xmlns="" id="{3D341871-EF27-4E9A-93BC-1928E2130394}"/>
               </a:ext>
             </a:extLst>
           </p:cNvPr>
@@ -1533,7 +1546,7 @@
           <p:cNvPr id="3" name="Marcador de texto 2">
             <a:extLst>
               <a:ext uri="{FF2B5EF4-FFF2-40B4-BE49-F238E27FC236}">
-                <a16:creationId xmlns:a16="http://schemas.microsoft.com/office/drawing/2014/main" id="{6413AA99-AA5D-4491-A03F-211F8A1D3F2E}"/>
+                <a16:creationId xmlns:a16="http://schemas.microsoft.com/office/drawing/2014/main" xmlns="" id="{6413AA99-AA5D-4491-A03F-211F8A1D3F2E}"/>
               </a:ext>
             </a:extLst>
           </p:cNvPr>
@@ -1604,7 +1617,7 @@
           <p:cNvPr id="4" name="Marcador de contenido 3">
             <a:extLst>
               <a:ext uri="{FF2B5EF4-FFF2-40B4-BE49-F238E27FC236}">
-                <a16:creationId xmlns:a16="http://schemas.microsoft.com/office/drawing/2014/main" id="{D27860C8-CC11-4391-A233-AEFFEDC2699E}"/>
+                <a16:creationId xmlns:a16="http://schemas.microsoft.com/office/drawing/2014/main" xmlns="" id="{D27860C8-CC11-4391-A233-AEFFEDC2699E}"/>
               </a:ext>
             </a:extLst>
           </p:cNvPr>
@@ -1666,7 +1679,7 @@
           <p:cNvPr id="5" name="Marcador de texto 4">
             <a:extLst>
               <a:ext uri="{FF2B5EF4-FFF2-40B4-BE49-F238E27FC236}">
-                <a16:creationId xmlns:a16="http://schemas.microsoft.com/office/drawing/2014/main" id="{A267A70E-08E5-4029-AB2F-798E59019226}"/>
+                <a16:creationId xmlns:a16="http://schemas.microsoft.com/office/drawing/2014/main" xmlns="" id="{A267A70E-08E5-4029-AB2F-798E59019226}"/>
               </a:ext>
             </a:extLst>
           </p:cNvPr>
@@ -1737,7 +1750,7 @@
           <p:cNvPr id="6" name="Marcador de contenido 5">
             <a:extLst>
               <a:ext uri="{FF2B5EF4-FFF2-40B4-BE49-F238E27FC236}">
-                <a16:creationId xmlns:a16="http://schemas.microsoft.com/office/drawing/2014/main" id="{121198C2-E79D-4600-882F-398683DDB8BB}"/>
+                <a16:creationId xmlns:a16="http://schemas.microsoft.com/office/drawing/2014/main" xmlns="" id="{121198C2-E79D-4600-882F-398683DDB8BB}"/>
               </a:ext>
             </a:extLst>
           </p:cNvPr>
@@ -1799,7 +1812,7 @@
           <p:cNvPr id="7" name="Marcador de fecha 6">
             <a:extLst>
               <a:ext uri="{FF2B5EF4-FFF2-40B4-BE49-F238E27FC236}">
-                <a16:creationId xmlns:a16="http://schemas.microsoft.com/office/drawing/2014/main" id="{4D92BF33-7212-4CE1-B019-5606AC0C94D7}"/>
+                <a16:creationId xmlns:a16="http://schemas.microsoft.com/office/drawing/2014/main" xmlns="" id="{4D92BF33-7212-4CE1-B019-5606AC0C94D7}"/>
               </a:ext>
             </a:extLst>
           </p:cNvPr>
@@ -1817,7 +1830,7 @@
           <a:p>
             <a:fld id="{0BAD7C74-8BC0-44DA-AB41-E56279F246B6}" type="datetimeFigureOut">
               <a:rPr lang="es-ES" smtClean="0"/>
-              <a:t>08/11/2017</a:t>
+              <a:t>09/11/2017</a:t>
             </a:fld>
             <a:endParaRPr lang="es-ES"/>
           </a:p>
@@ -1828,7 +1841,7 @@
           <p:cNvPr id="8" name="Marcador de pie de página 7">
             <a:extLst>
               <a:ext uri="{FF2B5EF4-FFF2-40B4-BE49-F238E27FC236}">
-                <a16:creationId xmlns:a16="http://schemas.microsoft.com/office/drawing/2014/main" id="{FF8A6E3C-4C0A-4567-9F24-9AE77BA925A8}"/>
+                <a16:creationId xmlns:a16="http://schemas.microsoft.com/office/drawing/2014/main" xmlns="" id="{FF8A6E3C-4C0A-4567-9F24-9AE77BA925A8}"/>
               </a:ext>
             </a:extLst>
           </p:cNvPr>
@@ -1853,7 +1866,7 @@
           <p:cNvPr id="9" name="Marcador de número de diapositiva 8">
             <a:extLst>
               <a:ext uri="{FF2B5EF4-FFF2-40B4-BE49-F238E27FC236}">
-                <a16:creationId xmlns:a16="http://schemas.microsoft.com/office/drawing/2014/main" id="{1C4DB1CA-2D8D-4D8D-BCF0-F5176EE9F9D0}"/>
+                <a16:creationId xmlns:a16="http://schemas.microsoft.com/office/drawing/2014/main" xmlns="" id="{1C4DB1CA-2D8D-4D8D-BCF0-F5176EE9F9D0}"/>
               </a:ext>
             </a:extLst>
           </p:cNvPr>
@@ -1912,7 +1925,7 @@
           <p:cNvPr id="2" name="Título 1">
             <a:extLst>
               <a:ext uri="{FF2B5EF4-FFF2-40B4-BE49-F238E27FC236}">
-                <a16:creationId xmlns:a16="http://schemas.microsoft.com/office/drawing/2014/main" id="{6AB6BE51-A3BF-454B-A0FD-EA17C951A788}"/>
+                <a16:creationId xmlns:a16="http://schemas.microsoft.com/office/drawing/2014/main" xmlns="" id="{6AB6BE51-A3BF-454B-A0FD-EA17C951A788}"/>
               </a:ext>
             </a:extLst>
           </p:cNvPr>
@@ -1940,7 +1953,7 @@
           <p:cNvPr id="3" name="Marcador de fecha 2">
             <a:extLst>
               <a:ext uri="{FF2B5EF4-FFF2-40B4-BE49-F238E27FC236}">
-                <a16:creationId xmlns:a16="http://schemas.microsoft.com/office/drawing/2014/main" id="{56A3D632-9998-4EBA-BF00-A839B876229B}"/>
+                <a16:creationId xmlns:a16="http://schemas.microsoft.com/office/drawing/2014/main" xmlns="" id="{56A3D632-9998-4EBA-BF00-A839B876229B}"/>
               </a:ext>
             </a:extLst>
           </p:cNvPr>
@@ -1958,7 +1971,7 @@
           <a:p>
             <a:fld id="{0BAD7C74-8BC0-44DA-AB41-E56279F246B6}" type="datetimeFigureOut">
               <a:rPr lang="es-ES" smtClean="0"/>
-              <a:t>08/11/2017</a:t>
+              <a:t>09/11/2017</a:t>
             </a:fld>
             <a:endParaRPr lang="es-ES"/>
           </a:p>
@@ -1969,7 +1982,7 @@
           <p:cNvPr id="4" name="Marcador de pie de página 3">
             <a:extLst>
               <a:ext uri="{FF2B5EF4-FFF2-40B4-BE49-F238E27FC236}">
-                <a16:creationId xmlns:a16="http://schemas.microsoft.com/office/drawing/2014/main" id="{9755FA95-F777-4A8F-A22A-2D66B1BF4D9D}"/>
+                <a16:creationId xmlns:a16="http://schemas.microsoft.com/office/drawing/2014/main" xmlns="" id="{9755FA95-F777-4A8F-A22A-2D66B1BF4D9D}"/>
               </a:ext>
             </a:extLst>
           </p:cNvPr>
@@ -1994,7 +2007,7 @@
           <p:cNvPr id="5" name="Marcador de número de diapositiva 4">
             <a:extLst>
               <a:ext uri="{FF2B5EF4-FFF2-40B4-BE49-F238E27FC236}">
-                <a16:creationId xmlns:a16="http://schemas.microsoft.com/office/drawing/2014/main" id="{EFAA0E12-A641-4DAA-8488-EDC74E9DD43A}"/>
+                <a16:creationId xmlns:a16="http://schemas.microsoft.com/office/drawing/2014/main" xmlns="" id="{EFAA0E12-A641-4DAA-8488-EDC74E9DD43A}"/>
               </a:ext>
             </a:extLst>
           </p:cNvPr>
@@ -2053,7 +2066,7 @@
           <p:cNvPr id="2" name="Marcador de fecha 1">
             <a:extLst>
               <a:ext uri="{FF2B5EF4-FFF2-40B4-BE49-F238E27FC236}">
-                <a16:creationId xmlns:a16="http://schemas.microsoft.com/office/drawing/2014/main" id="{FCECDE41-2321-49B4-BEF1-84CFCF91DD7F}"/>
+                <a16:creationId xmlns:a16="http://schemas.microsoft.com/office/drawing/2014/main" xmlns="" id="{FCECDE41-2321-49B4-BEF1-84CFCF91DD7F}"/>
               </a:ext>
             </a:extLst>
           </p:cNvPr>
@@ -2071,7 +2084,7 @@
           <a:p>
             <a:fld id="{0BAD7C74-8BC0-44DA-AB41-E56279F246B6}" type="datetimeFigureOut">
               <a:rPr lang="es-ES" smtClean="0"/>
-              <a:t>08/11/2017</a:t>
+              <a:t>09/11/2017</a:t>
             </a:fld>
             <a:endParaRPr lang="es-ES"/>
           </a:p>
@@ -2082,7 +2095,7 @@
           <p:cNvPr id="3" name="Marcador de pie de página 2">
             <a:extLst>
               <a:ext uri="{FF2B5EF4-FFF2-40B4-BE49-F238E27FC236}">
-                <a16:creationId xmlns:a16="http://schemas.microsoft.com/office/drawing/2014/main" id="{D4B7D29D-BDD3-4FC2-937C-32BA791ECADB}"/>
+                <a16:creationId xmlns:a16="http://schemas.microsoft.com/office/drawing/2014/main" xmlns="" id="{D4B7D29D-BDD3-4FC2-937C-32BA791ECADB}"/>
               </a:ext>
             </a:extLst>
           </p:cNvPr>
@@ -2107,7 +2120,7 @@
           <p:cNvPr id="4" name="Marcador de número de diapositiva 3">
             <a:extLst>
               <a:ext uri="{FF2B5EF4-FFF2-40B4-BE49-F238E27FC236}">
-                <a16:creationId xmlns:a16="http://schemas.microsoft.com/office/drawing/2014/main" id="{9D14160F-2537-4B1B-8828-F98F0CA465B7}"/>
+                <a16:creationId xmlns:a16="http://schemas.microsoft.com/office/drawing/2014/main" xmlns="" id="{9D14160F-2537-4B1B-8828-F98F0CA465B7}"/>
               </a:ext>
             </a:extLst>
           </p:cNvPr>
@@ -2166,7 +2179,7 @@
           <p:cNvPr id="2" name="Título 1">
             <a:extLst>
               <a:ext uri="{FF2B5EF4-FFF2-40B4-BE49-F238E27FC236}">
-                <a16:creationId xmlns:a16="http://schemas.microsoft.com/office/drawing/2014/main" id="{6A938183-3278-4A69-901F-313CFB402866}"/>
+                <a16:creationId xmlns:a16="http://schemas.microsoft.com/office/drawing/2014/main" xmlns="" id="{6A938183-3278-4A69-901F-313CFB402866}"/>
               </a:ext>
             </a:extLst>
           </p:cNvPr>
@@ -2203,7 +2216,7 @@
           <p:cNvPr id="3" name="Marcador de contenido 2">
             <a:extLst>
               <a:ext uri="{FF2B5EF4-FFF2-40B4-BE49-F238E27FC236}">
-                <a16:creationId xmlns:a16="http://schemas.microsoft.com/office/drawing/2014/main" id="{55BAE8C0-8AA5-4856-B1CB-AACFD6164684}"/>
+                <a16:creationId xmlns:a16="http://schemas.microsoft.com/office/drawing/2014/main" xmlns="" id="{55BAE8C0-8AA5-4856-B1CB-AACFD6164684}"/>
               </a:ext>
             </a:extLst>
           </p:cNvPr>
@@ -2293,7 +2306,7 @@
           <p:cNvPr id="4" name="Marcador de texto 3">
             <a:extLst>
               <a:ext uri="{FF2B5EF4-FFF2-40B4-BE49-F238E27FC236}">
-                <a16:creationId xmlns:a16="http://schemas.microsoft.com/office/drawing/2014/main" id="{53F4586C-6484-43C8-986F-52E7F2A7E177}"/>
+                <a16:creationId xmlns:a16="http://schemas.microsoft.com/office/drawing/2014/main" xmlns="" id="{53F4586C-6484-43C8-986F-52E7F2A7E177}"/>
               </a:ext>
             </a:extLst>
           </p:cNvPr>
@@ -2364,7 +2377,7 @@
           <p:cNvPr id="5" name="Marcador de fecha 4">
             <a:extLst>
               <a:ext uri="{FF2B5EF4-FFF2-40B4-BE49-F238E27FC236}">
-                <a16:creationId xmlns:a16="http://schemas.microsoft.com/office/drawing/2014/main" id="{16564BF9-249A-425D-8AFE-A3EBF3E07BF4}"/>
+                <a16:creationId xmlns:a16="http://schemas.microsoft.com/office/drawing/2014/main" xmlns="" id="{16564BF9-249A-425D-8AFE-A3EBF3E07BF4}"/>
               </a:ext>
             </a:extLst>
           </p:cNvPr>
@@ -2382,7 +2395,7 @@
           <a:p>
             <a:fld id="{0BAD7C74-8BC0-44DA-AB41-E56279F246B6}" type="datetimeFigureOut">
               <a:rPr lang="es-ES" smtClean="0"/>
-              <a:t>08/11/2017</a:t>
+              <a:t>09/11/2017</a:t>
             </a:fld>
             <a:endParaRPr lang="es-ES"/>
           </a:p>
@@ -2393,7 +2406,7 @@
           <p:cNvPr id="6" name="Marcador de pie de página 5">
             <a:extLst>
               <a:ext uri="{FF2B5EF4-FFF2-40B4-BE49-F238E27FC236}">
-                <a16:creationId xmlns:a16="http://schemas.microsoft.com/office/drawing/2014/main" id="{52A78CED-B295-4974-9A1B-8CC146F30EC8}"/>
+                <a16:creationId xmlns:a16="http://schemas.microsoft.com/office/drawing/2014/main" xmlns="" id="{52A78CED-B295-4974-9A1B-8CC146F30EC8}"/>
               </a:ext>
             </a:extLst>
           </p:cNvPr>
@@ -2418,7 +2431,7 @@
           <p:cNvPr id="7" name="Marcador de número de diapositiva 6">
             <a:extLst>
               <a:ext uri="{FF2B5EF4-FFF2-40B4-BE49-F238E27FC236}">
-                <a16:creationId xmlns:a16="http://schemas.microsoft.com/office/drawing/2014/main" id="{F5E75E43-2EAD-4B0D-AC52-7EDEBB0F74C3}"/>
+                <a16:creationId xmlns:a16="http://schemas.microsoft.com/office/drawing/2014/main" xmlns="" id="{F5E75E43-2EAD-4B0D-AC52-7EDEBB0F74C3}"/>
               </a:ext>
             </a:extLst>
           </p:cNvPr>
@@ -2477,7 +2490,7 @@
           <p:cNvPr id="2" name="Título 1">
             <a:extLst>
               <a:ext uri="{FF2B5EF4-FFF2-40B4-BE49-F238E27FC236}">
-                <a16:creationId xmlns:a16="http://schemas.microsoft.com/office/drawing/2014/main" id="{22D06BF5-9C09-427E-9467-26834F404EEE}"/>
+                <a16:creationId xmlns:a16="http://schemas.microsoft.com/office/drawing/2014/main" xmlns="" id="{22D06BF5-9C09-427E-9467-26834F404EEE}"/>
               </a:ext>
             </a:extLst>
           </p:cNvPr>
@@ -2514,7 +2527,7 @@
           <p:cNvPr id="3" name="Marcador de posición de imagen 2">
             <a:extLst>
               <a:ext uri="{FF2B5EF4-FFF2-40B4-BE49-F238E27FC236}">
-                <a16:creationId xmlns:a16="http://schemas.microsoft.com/office/drawing/2014/main" id="{7AF3CC5D-6189-4DB2-82CA-027D3203FAFD}"/>
+                <a16:creationId xmlns:a16="http://schemas.microsoft.com/office/drawing/2014/main" xmlns="" id="{7AF3CC5D-6189-4DB2-82CA-027D3203FAFD}"/>
               </a:ext>
             </a:extLst>
           </p:cNvPr>
@@ -2581,7 +2594,7 @@
           <p:cNvPr id="4" name="Marcador de texto 3">
             <a:extLst>
               <a:ext uri="{FF2B5EF4-FFF2-40B4-BE49-F238E27FC236}">
-                <a16:creationId xmlns:a16="http://schemas.microsoft.com/office/drawing/2014/main" id="{269A0C60-7522-4855-A114-26F84129D134}"/>
+                <a16:creationId xmlns:a16="http://schemas.microsoft.com/office/drawing/2014/main" xmlns="" id="{269A0C60-7522-4855-A114-26F84129D134}"/>
               </a:ext>
             </a:extLst>
           </p:cNvPr>
@@ -2652,7 +2665,7 @@
           <p:cNvPr id="5" name="Marcador de fecha 4">
             <a:extLst>
               <a:ext uri="{FF2B5EF4-FFF2-40B4-BE49-F238E27FC236}">
-                <a16:creationId xmlns:a16="http://schemas.microsoft.com/office/drawing/2014/main" id="{9BFE57DE-02A8-4B2B-9278-C005BEFBBB83}"/>
+                <a16:creationId xmlns:a16="http://schemas.microsoft.com/office/drawing/2014/main" xmlns="" id="{9BFE57DE-02A8-4B2B-9278-C005BEFBBB83}"/>
               </a:ext>
             </a:extLst>
           </p:cNvPr>
@@ -2670,7 +2683,7 @@
           <a:p>
             <a:fld id="{0BAD7C74-8BC0-44DA-AB41-E56279F246B6}" type="datetimeFigureOut">
               <a:rPr lang="es-ES" smtClean="0"/>
-              <a:t>08/11/2017</a:t>
+              <a:t>09/11/2017</a:t>
             </a:fld>
             <a:endParaRPr lang="es-ES"/>
           </a:p>
@@ -2681,7 +2694,7 @@
           <p:cNvPr id="6" name="Marcador de pie de página 5">
             <a:extLst>
               <a:ext uri="{FF2B5EF4-FFF2-40B4-BE49-F238E27FC236}">
-                <a16:creationId xmlns:a16="http://schemas.microsoft.com/office/drawing/2014/main" id="{4475DB57-8D2A-4DB6-809A-05A558B6F2E3}"/>
+                <a16:creationId xmlns:a16="http://schemas.microsoft.com/office/drawing/2014/main" xmlns="" id="{4475DB57-8D2A-4DB6-809A-05A558B6F2E3}"/>
               </a:ext>
             </a:extLst>
           </p:cNvPr>
@@ -2706,7 +2719,7 @@
           <p:cNvPr id="7" name="Marcador de número de diapositiva 6">
             <a:extLst>
               <a:ext uri="{FF2B5EF4-FFF2-40B4-BE49-F238E27FC236}">
-                <a16:creationId xmlns:a16="http://schemas.microsoft.com/office/drawing/2014/main" id="{03C57B4D-CB60-4E34-8250-FF0469678714}"/>
+                <a16:creationId xmlns:a16="http://schemas.microsoft.com/office/drawing/2014/main" xmlns="" id="{03C57B4D-CB60-4E34-8250-FF0469678714}"/>
               </a:ext>
             </a:extLst>
           </p:cNvPr>
@@ -2800,7 +2813,7 @@
           <p:cNvPr id="2" name="Marcador de título 1">
             <a:extLst>
               <a:ext uri="{FF2B5EF4-FFF2-40B4-BE49-F238E27FC236}">
-                <a16:creationId xmlns:a16="http://schemas.microsoft.com/office/drawing/2014/main" id="{4C8A4752-5737-4515-9ED7-4A0A08103CED}"/>
+                <a16:creationId xmlns:a16="http://schemas.microsoft.com/office/drawing/2014/main" xmlns="" id="{4C8A4752-5737-4515-9ED7-4A0A08103CED}"/>
               </a:ext>
             </a:extLst>
           </p:cNvPr>
@@ -2838,7 +2851,7 @@
           <p:cNvPr id="3" name="Marcador de texto 2">
             <a:extLst>
               <a:ext uri="{FF2B5EF4-FFF2-40B4-BE49-F238E27FC236}">
-                <a16:creationId xmlns:a16="http://schemas.microsoft.com/office/drawing/2014/main" id="{BCDB8818-F3CD-4FD0-9042-7BF8539641C5}"/>
+                <a16:creationId xmlns:a16="http://schemas.microsoft.com/office/drawing/2014/main" xmlns="" id="{BCDB8818-F3CD-4FD0-9042-7BF8539641C5}"/>
               </a:ext>
             </a:extLst>
           </p:cNvPr>
@@ -2905,7 +2918,7 @@
           <p:cNvPr id="4" name="Marcador de fecha 3">
             <a:extLst>
               <a:ext uri="{FF2B5EF4-FFF2-40B4-BE49-F238E27FC236}">
-                <a16:creationId xmlns:a16="http://schemas.microsoft.com/office/drawing/2014/main" id="{FF1053CA-45DE-41FA-959F-91EF48C5EBB7}"/>
+                <a16:creationId xmlns:a16="http://schemas.microsoft.com/office/drawing/2014/main" xmlns="" id="{FF1053CA-45DE-41FA-959F-91EF48C5EBB7}"/>
               </a:ext>
             </a:extLst>
           </p:cNvPr>
@@ -2941,7 +2954,7 @@
           <a:p>
             <a:fld id="{0BAD7C74-8BC0-44DA-AB41-E56279F246B6}" type="datetimeFigureOut">
               <a:rPr lang="es-ES" smtClean="0"/>
-              <a:t>08/11/2017</a:t>
+              <a:t>09/11/2017</a:t>
             </a:fld>
             <a:endParaRPr lang="es-ES"/>
           </a:p>
@@ -2952,7 +2965,7 @@
           <p:cNvPr id="5" name="Marcador de pie de página 4">
             <a:extLst>
               <a:ext uri="{FF2B5EF4-FFF2-40B4-BE49-F238E27FC236}">
-                <a16:creationId xmlns:a16="http://schemas.microsoft.com/office/drawing/2014/main" id="{6E361627-58AE-4051-86B4-AC069DDAF72B}"/>
+                <a16:creationId xmlns:a16="http://schemas.microsoft.com/office/drawing/2014/main" xmlns="" id="{6E361627-58AE-4051-86B4-AC069DDAF72B}"/>
               </a:ext>
             </a:extLst>
           </p:cNvPr>
@@ -2995,7 +3008,7 @@
           <p:cNvPr id="6" name="Marcador de número de diapositiva 5">
             <a:extLst>
               <a:ext uri="{FF2B5EF4-FFF2-40B4-BE49-F238E27FC236}">
-                <a16:creationId xmlns:a16="http://schemas.microsoft.com/office/drawing/2014/main" id="{CC144B80-66D3-441C-9860-4483BE970D45}"/>
+                <a16:creationId xmlns:a16="http://schemas.microsoft.com/office/drawing/2014/main" xmlns="" id="{CC144B80-66D3-441C-9860-4483BE970D45}"/>
               </a:ext>
             </a:extLst>
           </p:cNvPr>
@@ -3363,7 +3376,7 @@
           <p:cNvPr id="9" name="Imagen 8">
             <a:extLst>
               <a:ext uri="{FF2B5EF4-FFF2-40B4-BE49-F238E27FC236}">
-                <a16:creationId xmlns:a16="http://schemas.microsoft.com/office/drawing/2014/main" id="{46B30654-D48B-4ABB-A15E-314B450FE73A}"/>
+                <a16:creationId xmlns:a16="http://schemas.microsoft.com/office/drawing/2014/main" xmlns="" id="{46B30654-D48B-4ABB-A15E-314B450FE73A}"/>
               </a:ext>
             </a:extLst>
           </p:cNvPr>
@@ -3373,7 +3386,7 @@
           <p:nvPr/>
         </p:nvPicPr>
         <p:blipFill>
-          <a:blip r:embed="rId2">
+          <a:blip r:embed="rId2" cstate="print">
             <a:extLst>
               <a:ext uri="{28A0092B-C50C-407E-A947-70E740481C1C}">
                 <a14:useLocalDpi xmlns:a14="http://schemas.microsoft.com/office/drawing/2010/main" val="0"/>
@@ -3399,7 +3412,7 @@
           <p:cNvPr id="2" name="Título 1">
             <a:extLst>
               <a:ext uri="{FF2B5EF4-FFF2-40B4-BE49-F238E27FC236}">
-                <a16:creationId xmlns:a16="http://schemas.microsoft.com/office/drawing/2014/main" id="{BDAD1F7C-BE97-480F-AB92-6FD78164C5FB}"/>
+                <a16:creationId xmlns:a16="http://schemas.microsoft.com/office/drawing/2014/main" xmlns="" id="{BDAD1F7C-BE97-480F-AB92-6FD78164C5FB}"/>
               </a:ext>
             </a:extLst>
           </p:cNvPr>
@@ -3438,7 +3451,7 @@
           <p:cNvPr id="5" name="Imagen 4">
             <a:extLst>
               <a:ext uri="{FF2B5EF4-FFF2-40B4-BE49-F238E27FC236}">
-                <a16:creationId xmlns:a16="http://schemas.microsoft.com/office/drawing/2014/main" id="{048D296D-A76D-4C3F-BF8A-08530B4EE1C0}"/>
+                <a16:creationId xmlns:a16="http://schemas.microsoft.com/office/drawing/2014/main" xmlns="" id="{048D296D-A76D-4C3F-BF8A-08530B4EE1C0}"/>
               </a:ext>
             </a:extLst>
           </p:cNvPr>
@@ -3474,7 +3487,7 @@
           <p:cNvPr id="7" name="Imagen 6">
             <a:extLst>
               <a:ext uri="{FF2B5EF4-FFF2-40B4-BE49-F238E27FC236}">
-                <a16:creationId xmlns:a16="http://schemas.microsoft.com/office/drawing/2014/main" id="{2F660FA6-3E3D-4772-889F-638793070A55}"/>
+                <a16:creationId xmlns:a16="http://schemas.microsoft.com/office/drawing/2014/main" xmlns="" id="{2F660FA6-3E3D-4772-889F-638793070A55}"/>
               </a:ext>
             </a:extLst>
           </p:cNvPr>
@@ -3510,7 +3523,7 @@
           <p:cNvPr id="13" name="Imagen 12">
             <a:extLst>
               <a:ext uri="{FF2B5EF4-FFF2-40B4-BE49-F238E27FC236}">
-                <a16:creationId xmlns:a16="http://schemas.microsoft.com/office/drawing/2014/main" id="{6370B67D-822B-4857-BC08-A4C49E9E5EB3}"/>
+                <a16:creationId xmlns:a16="http://schemas.microsoft.com/office/drawing/2014/main" xmlns="" id="{6370B67D-822B-4857-BC08-A4C49E9E5EB3}"/>
               </a:ext>
             </a:extLst>
           </p:cNvPr>
@@ -3520,7 +3533,7 @@
           <p:nvPr/>
         </p:nvPicPr>
         <p:blipFill>
-          <a:blip r:embed="rId5">
+          <a:blip r:embed="rId5" cstate="print">
             <a:extLst>
               <a:ext uri="{28A0092B-C50C-407E-A947-70E740481C1C}">
                 <a14:useLocalDpi xmlns:a14="http://schemas.microsoft.com/office/drawing/2010/main" val="0"/>
@@ -3546,7 +3559,7 @@
           <p:cNvPr id="11" name="Imagen 10">
             <a:extLst>
               <a:ext uri="{FF2B5EF4-FFF2-40B4-BE49-F238E27FC236}">
-                <a16:creationId xmlns:a16="http://schemas.microsoft.com/office/drawing/2014/main" id="{E86C03C9-EC6E-4CDD-ACE8-F1D01FF6C704}"/>
+                <a16:creationId xmlns:a16="http://schemas.microsoft.com/office/drawing/2014/main" xmlns="" id="{E86C03C9-EC6E-4CDD-ACE8-F1D01FF6C704}"/>
               </a:ext>
             </a:extLst>
           </p:cNvPr>
@@ -3581,6 +3594,186 @@
     <p:extLst>
       <p:ext uri="{BB962C8B-B14F-4D97-AF65-F5344CB8AC3E}">
         <p14:creationId xmlns:p14="http://schemas.microsoft.com/office/powerpoint/2010/main" val="4246475863"/>
+      </p:ext>
+    </p:extLst>
+  </p:cSld>
+  <p:clrMapOvr>
+    <a:masterClrMapping/>
+  </p:clrMapOvr>
+</p:sld>
+</file>
+
+<file path=ppt/slides/slide10.xml><?xml version="1.0" encoding="utf-8"?>
+<p:sld xmlns:a="http://schemas.openxmlformats.org/drawingml/2006/main" xmlns:r="http://schemas.openxmlformats.org/officeDocument/2006/relationships" xmlns:p="http://schemas.openxmlformats.org/presentationml/2006/main">
+  <p:cSld>
+    <p:spTree>
+      <p:nvGrpSpPr>
+        <p:cNvPr id="1" name=""/>
+        <p:cNvGrpSpPr/>
+        <p:nvPr/>
+      </p:nvGrpSpPr>
+      <p:grpSpPr>
+        <a:xfrm>
+          <a:off x="0" y="0"/>
+          <a:ext cx="0" cy="0"/>
+          <a:chOff x="0" y="0"/>
+          <a:chExt cx="0" cy="0"/>
+        </a:xfrm>
+      </p:grpSpPr>
+      <p:pic>
+        <p:nvPicPr>
+          <p:cNvPr id="4" name="Imagen 3"/>
+          <p:cNvPicPr>
+            <a:picLocks noChangeAspect="1"/>
+          </p:cNvPicPr>
+          <p:nvPr/>
+        </p:nvPicPr>
+        <p:blipFill>
+          <a:blip r:embed="rId2">
+            <a:extLst>
+              <a:ext uri="{28A0092B-C50C-407E-A947-70E740481C1C}">
+                <a14:useLocalDpi xmlns:a14="http://schemas.microsoft.com/office/drawing/2010/main" val="0"/>
+              </a:ext>
+            </a:extLst>
+          </a:blip>
+          <a:stretch>
+            <a:fillRect/>
+          </a:stretch>
+        </p:blipFill>
+        <p:spPr>
+          <a:xfrm>
+            <a:off x="-26366" y="266700"/>
+            <a:ext cx="12218366" cy="6398260"/>
+          </a:xfrm>
+          <a:prstGeom prst="rect">
+            <a:avLst/>
+          </a:prstGeom>
+        </p:spPr>
+      </p:pic>
+    </p:spTree>
+    <p:extLst>
+      <p:ext uri="{BB962C8B-B14F-4D97-AF65-F5344CB8AC3E}">
+        <p14:creationId xmlns:p14="http://schemas.microsoft.com/office/powerpoint/2010/main" val="3399133084"/>
+      </p:ext>
+    </p:extLst>
+  </p:cSld>
+  <p:clrMapOvr>
+    <a:masterClrMapping/>
+  </p:clrMapOvr>
+</p:sld>
+</file>
+
+<file path=ppt/slides/slide11.xml><?xml version="1.0" encoding="utf-8"?>
+<p:sld xmlns:a="http://schemas.openxmlformats.org/drawingml/2006/main" xmlns:r="http://schemas.openxmlformats.org/officeDocument/2006/relationships" xmlns:p="http://schemas.openxmlformats.org/presentationml/2006/main">
+  <p:cSld>
+    <p:spTree>
+      <p:nvGrpSpPr>
+        <p:cNvPr id="1" name=""/>
+        <p:cNvGrpSpPr/>
+        <p:nvPr/>
+      </p:nvGrpSpPr>
+      <p:grpSpPr>
+        <a:xfrm>
+          <a:off x="0" y="0"/>
+          <a:ext cx="0" cy="0"/>
+          <a:chOff x="0" y="0"/>
+          <a:chExt cx="0" cy="0"/>
+        </a:xfrm>
+      </p:grpSpPr>
+      <p:pic>
+        <p:nvPicPr>
+          <p:cNvPr id="4" name="Imagen 3"/>
+          <p:cNvPicPr>
+            <a:picLocks noChangeAspect="1"/>
+          </p:cNvPicPr>
+          <p:nvPr/>
+        </p:nvPicPr>
+        <p:blipFill>
+          <a:blip r:embed="rId2">
+            <a:extLst>
+              <a:ext uri="{28A0092B-C50C-407E-A947-70E740481C1C}">
+                <a14:useLocalDpi xmlns:a14="http://schemas.microsoft.com/office/drawing/2010/main" val="0"/>
+              </a:ext>
+            </a:extLst>
+          </a:blip>
+          <a:stretch>
+            <a:fillRect/>
+          </a:stretch>
+        </p:blipFill>
+        <p:spPr>
+          <a:xfrm>
+            <a:off x="4166474" y="0"/>
+            <a:ext cx="3859052" cy="6858000"/>
+          </a:xfrm>
+          <a:prstGeom prst="rect">
+            <a:avLst/>
+          </a:prstGeom>
+        </p:spPr>
+      </p:pic>
+    </p:spTree>
+    <p:extLst>
+      <p:ext uri="{BB962C8B-B14F-4D97-AF65-F5344CB8AC3E}">
+        <p14:creationId xmlns:p14="http://schemas.microsoft.com/office/powerpoint/2010/main" val="602739744"/>
+      </p:ext>
+    </p:extLst>
+  </p:cSld>
+  <p:clrMapOvr>
+    <a:masterClrMapping/>
+  </p:clrMapOvr>
+</p:sld>
+</file>
+
+<file path=ppt/slides/slide12.xml><?xml version="1.0" encoding="utf-8"?>
+<p:sld xmlns:a="http://schemas.openxmlformats.org/drawingml/2006/main" xmlns:r="http://schemas.openxmlformats.org/officeDocument/2006/relationships" xmlns:p="http://schemas.openxmlformats.org/presentationml/2006/main">
+  <p:cSld>
+    <p:spTree>
+      <p:nvGrpSpPr>
+        <p:cNvPr id="1" name=""/>
+        <p:cNvGrpSpPr/>
+        <p:nvPr/>
+      </p:nvGrpSpPr>
+      <p:grpSpPr>
+        <a:xfrm>
+          <a:off x="0" y="0"/>
+          <a:ext cx="0" cy="0"/>
+          <a:chOff x="0" y="0"/>
+          <a:chExt cx="0" cy="0"/>
+        </a:xfrm>
+      </p:grpSpPr>
+      <p:pic>
+        <p:nvPicPr>
+          <p:cNvPr id="4" name="Imagen 3"/>
+          <p:cNvPicPr>
+            <a:picLocks noChangeAspect="1"/>
+          </p:cNvPicPr>
+          <p:nvPr/>
+        </p:nvPicPr>
+        <p:blipFill>
+          <a:blip r:embed="rId2">
+            <a:extLst>
+              <a:ext uri="{28A0092B-C50C-407E-A947-70E740481C1C}">
+                <a14:useLocalDpi xmlns:a14="http://schemas.microsoft.com/office/drawing/2010/main" val="0"/>
+              </a:ext>
+            </a:extLst>
+          </a:blip>
+          <a:stretch>
+            <a:fillRect/>
+          </a:stretch>
+        </p:blipFill>
+        <p:spPr>
+          <a:xfrm>
+            <a:off x="3830147" y="0"/>
+            <a:ext cx="4531706" cy="6858000"/>
+          </a:xfrm>
+          <a:prstGeom prst="rect">
+            <a:avLst/>
+          </a:prstGeom>
+        </p:spPr>
+      </p:pic>
+    </p:spTree>
+    <p:extLst>
+      <p:ext uri="{BB962C8B-B14F-4D97-AF65-F5344CB8AC3E}">
+        <p14:creationId xmlns:p14="http://schemas.microsoft.com/office/powerpoint/2010/main" val="1127380513"/>
       </p:ext>
     </p:extLst>
   </p:cSld>
@@ -3612,7 +3805,7 @@
           <p:cNvPr id="5" name="Imagen 4">
             <a:extLst>
               <a:ext uri="{FF2B5EF4-FFF2-40B4-BE49-F238E27FC236}">
-                <a16:creationId xmlns:a16="http://schemas.microsoft.com/office/drawing/2014/main" id="{72ABBE1D-6C58-49FE-9AEB-81111C37E625}"/>
+                <a16:creationId xmlns:a16="http://schemas.microsoft.com/office/drawing/2014/main" xmlns="" id="{72ABBE1D-6C58-49FE-9AEB-81111C37E625}"/>
               </a:ext>
             </a:extLst>
           </p:cNvPr>
@@ -3678,7 +3871,7 @@
           <p:cNvPr id="5" name="Imagen 4">
             <a:extLst>
               <a:ext uri="{FF2B5EF4-FFF2-40B4-BE49-F238E27FC236}">
-                <a16:creationId xmlns:a16="http://schemas.microsoft.com/office/drawing/2014/main" id="{9793B4D5-78B6-4E32-B8FA-96FCD933E405}"/>
+                <a16:creationId xmlns:a16="http://schemas.microsoft.com/office/drawing/2014/main" xmlns="" id="{9793B4D5-78B6-4E32-B8FA-96FCD933E405}"/>
               </a:ext>
             </a:extLst>
           </p:cNvPr>
@@ -3714,7 +3907,7 @@
           <p:cNvPr id="7" name="Imagen 6">
             <a:extLst>
               <a:ext uri="{FF2B5EF4-FFF2-40B4-BE49-F238E27FC236}">
-                <a16:creationId xmlns:a16="http://schemas.microsoft.com/office/drawing/2014/main" id="{5F34921A-F630-4B6F-9877-5D5A8B172B19}"/>
+                <a16:creationId xmlns:a16="http://schemas.microsoft.com/office/drawing/2014/main" xmlns="" id="{5F34921A-F630-4B6F-9877-5D5A8B172B19}"/>
               </a:ext>
             </a:extLst>
           </p:cNvPr>
@@ -3750,7 +3943,7 @@
           <p:cNvPr id="9" name="Imagen 8">
             <a:extLst>
               <a:ext uri="{FF2B5EF4-FFF2-40B4-BE49-F238E27FC236}">
-                <a16:creationId xmlns:a16="http://schemas.microsoft.com/office/drawing/2014/main" id="{981BB9E8-DC6C-4502-939A-4A4F1D91EA67}"/>
+                <a16:creationId xmlns:a16="http://schemas.microsoft.com/office/drawing/2014/main" xmlns="" id="{981BB9E8-DC6C-4502-939A-4A4F1D91EA67}"/>
               </a:ext>
             </a:extLst>
           </p:cNvPr>
@@ -3786,7 +3979,7 @@
           <p:cNvPr id="11" name="Imagen 10">
             <a:extLst>
               <a:ext uri="{FF2B5EF4-FFF2-40B4-BE49-F238E27FC236}">
-                <a16:creationId xmlns:a16="http://schemas.microsoft.com/office/drawing/2014/main" id="{16510168-4680-4EB6-A0CD-6E7B5FD063EB}"/>
+                <a16:creationId xmlns:a16="http://schemas.microsoft.com/office/drawing/2014/main" xmlns="" id="{16510168-4680-4EB6-A0CD-6E7B5FD063EB}"/>
               </a:ext>
             </a:extLst>
           </p:cNvPr>
@@ -3852,7 +4045,7 @@
           <p:cNvPr id="5" name="Imagen 4">
             <a:extLst>
               <a:ext uri="{FF2B5EF4-FFF2-40B4-BE49-F238E27FC236}">
-                <a16:creationId xmlns:a16="http://schemas.microsoft.com/office/drawing/2014/main" id="{C693218E-F453-4977-857C-7E2E3694D683}"/>
+                <a16:creationId xmlns:a16="http://schemas.microsoft.com/office/drawing/2014/main" xmlns="" id="{C693218E-F453-4977-857C-7E2E3694D683}"/>
               </a:ext>
             </a:extLst>
           </p:cNvPr>
@@ -3887,6 +4080,305 @@
     <p:extLst>
       <p:ext uri="{BB962C8B-B14F-4D97-AF65-F5344CB8AC3E}">
         <p14:creationId xmlns:p14="http://schemas.microsoft.com/office/powerpoint/2010/main" val="2812064560"/>
+      </p:ext>
+    </p:extLst>
+  </p:cSld>
+  <p:clrMapOvr>
+    <a:masterClrMapping/>
+  </p:clrMapOvr>
+</p:sld>
+</file>
+
+<file path=ppt/slides/slide5.xml><?xml version="1.0" encoding="utf-8"?>
+<p:sld xmlns:a="http://schemas.openxmlformats.org/drawingml/2006/main" xmlns:r="http://schemas.openxmlformats.org/officeDocument/2006/relationships" xmlns:p="http://schemas.openxmlformats.org/presentationml/2006/main">
+  <p:cSld>
+    <p:spTree>
+      <p:nvGrpSpPr>
+        <p:cNvPr id="1" name=""/>
+        <p:cNvGrpSpPr/>
+        <p:nvPr/>
+      </p:nvGrpSpPr>
+      <p:grpSpPr>
+        <a:xfrm>
+          <a:off x="0" y="0"/>
+          <a:ext cx="0" cy="0"/>
+          <a:chOff x="0" y="0"/>
+          <a:chExt cx="0" cy="0"/>
+        </a:xfrm>
+      </p:grpSpPr>
+      <p:pic>
+        <p:nvPicPr>
+          <p:cNvPr id="4" name="Marcador de contenido 3"/>
+          <p:cNvPicPr>
+            <a:picLocks noGrp="1" noChangeAspect="1"/>
+          </p:cNvPicPr>
+          <p:nvPr>
+            <p:ph idx="1"/>
+          </p:nvPr>
+        </p:nvPicPr>
+        <p:blipFill>
+          <a:blip r:embed="rId2">
+            <a:extLst>
+              <a:ext uri="{28A0092B-C50C-407E-A947-70E740481C1C}">
+                <a14:useLocalDpi xmlns:a14="http://schemas.microsoft.com/office/drawing/2010/main" val="0"/>
+              </a:ext>
+            </a:extLst>
+          </a:blip>
+          <a:stretch>
+            <a:fillRect/>
+          </a:stretch>
+        </p:blipFill>
+        <p:spPr>
+          <a:xfrm>
+            <a:off x="-1" y="0"/>
+            <a:ext cx="12196443" cy="6858000"/>
+          </a:xfrm>
+        </p:spPr>
+      </p:pic>
+    </p:spTree>
+    <p:extLst>
+      <p:ext uri="{BB962C8B-B14F-4D97-AF65-F5344CB8AC3E}">
+        <p14:creationId xmlns:p14="http://schemas.microsoft.com/office/powerpoint/2010/main" val="2527377928"/>
+      </p:ext>
+    </p:extLst>
+  </p:cSld>
+  <p:clrMapOvr>
+    <a:masterClrMapping/>
+  </p:clrMapOvr>
+</p:sld>
+</file>
+
+<file path=ppt/slides/slide6.xml><?xml version="1.0" encoding="utf-8"?>
+<p:sld xmlns:a="http://schemas.openxmlformats.org/drawingml/2006/main" xmlns:r="http://schemas.openxmlformats.org/officeDocument/2006/relationships" xmlns:p="http://schemas.openxmlformats.org/presentationml/2006/main">
+  <p:cSld>
+    <p:spTree>
+      <p:nvGrpSpPr>
+        <p:cNvPr id="1" name=""/>
+        <p:cNvGrpSpPr/>
+        <p:nvPr/>
+      </p:nvGrpSpPr>
+      <p:grpSpPr>
+        <a:xfrm>
+          <a:off x="0" y="0"/>
+          <a:ext cx="0" cy="0"/>
+          <a:chOff x="0" y="0"/>
+          <a:chExt cx="0" cy="0"/>
+        </a:xfrm>
+      </p:grpSpPr>
+      <p:pic>
+        <p:nvPicPr>
+          <p:cNvPr id="4" name="Imagen 3"/>
+          <p:cNvPicPr>
+            <a:picLocks noChangeAspect="1"/>
+          </p:cNvPicPr>
+          <p:nvPr/>
+        </p:nvPicPr>
+        <p:blipFill>
+          <a:blip r:embed="rId2">
+            <a:extLst>
+              <a:ext uri="{28A0092B-C50C-407E-A947-70E740481C1C}">
+                <a14:useLocalDpi xmlns:a14="http://schemas.microsoft.com/office/drawing/2010/main" val="0"/>
+              </a:ext>
+            </a:extLst>
+          </a:blip>
+          <a:stretch>
+            <a:fillRect/>
+          </a:stretch>
+        </p:blipFill>
+        <p:spPr>
+          <a:xfrm>
+            <a:off x="952501" y="0"/>
+            <a:ext cx="10304779" cy="6869854"/>
+          </a:xfrm>
+          <a:prstGeom prst="rect">
+            <a:avLst/>
+          </a:prstGeom>
+        </p:spPr>
+      </p:pic>
+    </p:spTree>
+    <p:extLst>
+      <p:ext uri="{BB962C8B-B14F-4D97-AF65-F5344CB8AC3E}">
+        <p14:creationId xmlns:p14="http://schemas.microsoft.com/office/powerpoint/2010/main" val="2008486688"/>
+      </p:ext>
+    </p:extLst>
+  </p:cSld>
+  <p:clrMapOvr>
+    <a:masterClrMapping/>
+  </p:clrMapOvr>
+</p:sld>
+</file>
+
+<file path=ppt/slides/slide7.xml><?xml version="1.0" encoding="utf-8"?>
+<p:sld xmlns:a="http://schemas.openxmlformats.org/drawingml/2006/main" xmlns:r="http://schemas.openxmlformats.org/officeDocument/2006/relationships" xmlns:p="http://schemas.openxmlformats.org/presentationml/2006/main">
+  <p:cSld>
+    <p:spTree>
+      <p:nvGrpSpPr>
+        <p:cNvPr id="1" name=""/>
+        <p:cNvGrpSpPr/>
+        <p:nvPr/>
+      </p:nvGrpSpPr>
+      <p:grpSpPr>
+        <a:xfrm>
+          <a:off x="0" y="0"/>
+          <a:ext cx="0" cy="0"/>
+          <a:chOff x="0" y="0"/>
+          <a:chExt cx="0" cy="0"/>
+        </a:xfrm>
+      </p:grpSpPr>
+      <p:pic>
+        <p:nvPicPr>
+          <p:cNvPr id="4" name="Imagen 3"/>
+          <p:cNvPicPr>
+            <a:picLocks noChangeAspect="1"/>
+          </p:cNvPicPr>
+          <p:nvPr/>
+        </p:nvPicPr>
+        <p:blipFill>
+          <a:blip r:embed="rId2">
+            <a:extLst>
+              <a:ext uri="{28A0092B-C50C-407E-A947-70E740481C1C}">
+                <a14:useLocalDpi xmlns:a14="http://schemas.microsoft.com/office/drawing/2010/main" val="0"/>
+              </a:ext>
+            </a:extLst>
+          </a:blip>
+          <a:stretch>
+            <a:fillRect/>
+          </a:stretch>
+        </p:blipFill>
+        <p:spPr>
+          <a:xfrm>
+            <a:off x="651480" y="0"/>
+            <a:ext cx="10889039" cy="6858000"/>
+          </a:xfrm>
+          <a:prstGeom prst="rect">
+            <a:avLst/>
+          </a:prstGeom>
+        </p:spPr>
+      </p:pic>
+    </p:spTree>
+    <p:extLst>
+      <p:ext uri="{BB962C8B-B14F-4D97-AF65-F5344CB8AC3E}">
+        <p14:creationId xmlns:p14="http://schemas.microsoft.com/office/powerpoint/2010/main" val="1483989531"/>
+      </p:ext>
+    </p:extLst>
+  </p:cSld>
+  <p:clrMapOvr>
+    <a:masterClrMapping/>
+  </p:clrMapOvr>
+</p:sld>
+</file>
+
+<file path=ppt/slides/slide8.xml><?xml version="1.0" encoding="utf-8"?>
+<p:sld xmlns:a="http://schemas.openxmlformats.org/drawingml/2006/main" xmlns:r="http://schemas.openxmlformats.org/officeDocument/2006/relationships" xmlns:p="http://schemas.openxmlformats.org/presentationml/2006/main">
+  <p:cSld>
+    <p:spTree>
+      <p:nvGrpSpPr>
+        <p:cNvPr id="1" name=""/>
+        <p:cNvGrpSpPr/>
+        <p:nvPr/>
+      </p:nvGrpSpPr>
+      <p:grpSpPr>
+        <a:xfrm>
+          <a:off x="0" y="0"/>
+          <a:ext cx="0" cy="0"/>
+          <a:chOff x="0" y="0"/>
+          <a:chExt cx="0" cy="0"/>
+        </a:xfrm>
+      </p:grpSpPr>
+      <p:pic>
+        <p:nvPicPr>
+          <p:cNvPr id="4" name="Imagen 3"/>
+          <p:cNvPicPr>
+            <a:picLocks noChangeAspect="1"/>
+          </p:cNvPicPr>
+          <p:nvPr/>
+        </p:nvPicPr>
+        <p:blipFill>
+          <a:blip r:embed="rId2">
+            <a:extLst>
+              <a:ext uri="{28A0092B-C50C-407E-A947-70E740481C1C}">
+                <a14:useLocalDpi xmlns:a14="http://schemas.microsoft.com/office/drawing/2010/main" val="0"/>
+              </a:ext>
+            </a:extLst>
+          </a:blip>
+          <a:stretch>
+            <a:fillRect/>
+          </a:stretch>
+        </p:blipFill>
+        <p:spPr>
+          <a:xfrm>
+            <a:off x="0" y="0"/>
+            <a:ext cx="12192000" cy="6858000"/>
+          </a:xfrm>
+          <a:prstGeom prst="rect">
+            <a:avLst/>
+          </a:prstGeom>
+        </p:spPr>
+      </p:pic>
+    </p:spTree>
+    <p:extLst>
+      <p:ext uri="{BB962C8B-B14F-4D97-AF65-F5344CB8AC3E}">
+        <p14:creationId xmlns:p14="http://schemas.microsoft.com/office/powerpoint/2010/main" val="3782363739"/>
+      </p:ext>
+    </p:extLst>
+  </p:cSld>
+  <p:clrMapOvr>
+    <a:masterClrMapping/>
+  </p:clrMapOvr>
+</p:sld>
+</file>
+
+<file path=ppt/slides/slide9.xml><?xml version="1.0" encoding="utf-8"?>
+<p:sld xmlns:a="http://schemas.openxmlformats.org/drawingml/2006/main" xmlns:r="http://schemas.openxmlformats.org/officeDocument/2006/relationships" xmlns:p="http://schemas.openxmlformats.org/presentationml/2006/main">
+  <p:cSld>
+    <p:spTree>
+      <p:nvGrpSpPr>
+        <p:cNvPr id="1" name=""/>
+        <p:cNvGrpSpPr/>
+        <p:nvPr/>
+      </p:nvGrpSpPr>
+      <p:grpSpPr>
+        <a:xfrm>
+          <a:off x="0" y="0"/>
+          <a:ext cx="0" cy="0"/>
+          <a:chOff x="0" y="0"/>
+          <a:chExt cx="0" cy="0"/>
+        </a:xfrm>
+      </p:grpSpPr>
+      <p:pic>
+        <p:nvPicPr>
+          <p:cNvPr id="4" name="Imagen 3"/>
+          <p:cNvPicPr>
+            <a:picLocks noChangeAspect="1"/>
+          </p:cNvPicPr>
+          <p:nvPr/>
+        </p:nvPicPr>
+        <p:blipFill>
+          <a:blip r:embed="rId2">
+            <a:extLst>
+              <a:ext uri="{28A0092B-C50C-407E-A947-70E740481C1C}">
+                <a14:useLocalDpi xmlns:a14="http://schemas.microsoft.com/office/drawing/2010/main" val="0"/>
+              </a:ext>
+            </a:extLst>
+          </a:blip>
+          <a:stretch>
+            <a:fillRect/>
+          </a:stretch>
+        </p:blipFill>
+        <p:spPr>
+          <a:xfrm>
+            <a:off x="934720" y="0"/>
+            <a:ext cx="10180320" cy="6861461"/>
+          </a:xfrm>
+          <a:prstGeom prst="rect">
+            <a:avLst/>
+          </a:prstGeom>
+        </p:spPr>
+      </p:pic>
+    </p:spTree>
+    <p:extLst>
+      <p:ext uri="{BB962C8B-B14F-4D97-AF65-F5344CB8AC3E}">
+        <p14:creationId xmlns:p14="http://schemas.microsoft.com/office/powerpoint/2010/main" val="3625146448"/>
       </p:ext>
     </p:extLst>
   </p:cSld>
